--- a/Network/OSI-and-tcp.pptx
+++ b/Network/OSI-and-tcp.pptx
@@ -117,6 +117,7 @@
   <p1510:revLst>
     <p1510:client id="{5B1A3B8D-7E5D-4EB1-BAA5-1FC0D7947672}" v="287" dt="2020-07-13T00:23:32.086"/>
     <p1510:client id="{898F2DDD-A5C6-4645-B1E2-7B28F5FB797B}" v="901" dt="2020-07-12T12:11:57.090"/>
+    <p1510:client id="{A34E21D0-5538-4448-BCE0-09336AC15612}" v="178" dt="2020-07-13T15:20:30.301"/>
   </p1510:revLst>
 </p1510:revInfo>
 </file>
@@ -250,7 +251,7 @@
           <a:p>
             <a:fld id="{2566825D-2B69-4989-8861-A6901ABADB6C}" type="datetimeFigureOut">
               <a:rPr lang="ko-KR" altLang="en-US" smtClean="0"/>
-              <a:t>2020-07-12</a:t>
+              <a:t>2020-07-13</a:t>
             </a:fld>
             <a:endParaRPr lang="ko-KR" altLang="en-US"/>
           </a:p>
@@ -418,7 +419,7 @@
           <a:p>
             <a:fld id="{2566825D-2B69-4989-8861-A6901ABADB6C}" type="datetimeFigureOut">
               <a:rPr lang="ko-KR" altLang="en-US" smtClean="0"/>
-              <a:t>2020-07-12</a:t>
+              <a:t>2020-07-13</a:t>
             </a:fld>
             <a:endParaRPr lang="ko-KR" altLang="en-US"/>
           </a:p>
@@ -596,7 +597,7 @@
           <a:p>
             <a:fld id="{2566825D-2B69-4989-8861-A6901ABADB6C}" type="datetimeFigureOut">
               <a:rPr lang="ko-KR" altLang="en-US" smtClean="0"/>
-              <a:t>2020-07-12</a:t>
+              <a:t>2020-07-13</a:t>
             </a:fld>
             <a:endParaRPr lang="ko-KR" altLang="en-US"/>
           </a:p>
@@ -764,7 +765,7 @@
           <a:p>
             <a:fld id="{2566825D-2B69-4989-8861-A6901ABADB6C}" type="datetimeFigureOut">
               <a:rPr lang="ko-KR" altLang="en-US" smtClean="0"/>
-              <a:t>2020-07-12</a:t>
+              <a:t>2020-07-13</a:t>
             </a:fld>
             <a:endParaRPr lang="ko-KR" altLang="en-US"/>
           </a:p>
@@ -1009,7 +1010,7 @@
           <a:p>
             <a:fld id="{2566825D-2B69-4989-8861-A6901ABADB6C}" type="datetimeFigureOut">
               <a:rPr lang="ko-KR" altLang="en-US" smtClean="0"/>
-              <a:t>2020-07-12</a:t>
+              <a:t>2020-07-13</a:t>
             </a:fld>
             <a:endParaRPr lang="ko-KR" altLang="en-US"/>
           </a:p>
@@ -1238,7 +1239,7 @@
           <a:p>
             <a:fld id="{2566825D-2B69-4989-8861-A6901ABADB6C}" type="datetimeFigureOut">
               <a:rPr lang="ko-KR" altLang="en-US" smtClean="0"/>
-              <a:t>2020-07-12</a:t>
+              <a:t>2020-07-13</a:t>
             </a:fld>
             <a:endParaRPr lang="ko-KR" altLang="en-US"/>
           </a:p>
@@ -1602,7 +1603,7 @@
           <a:p>
             <a:fld id="{2566825D-2B69-4989-8861-A6901ABADB6C}" type="datetimeFigureOut">
               <a:rPr lang="ko-KR" altLang="en-US" smtClean="0"/>
-              <a:t>2020-07-12</a:t>
+              <a:t>2020-07-13</a:t>
             </a:fld>
             <a:endParaRPr lang="ko-KR" altLang="en-US"/>
           </a:p>
@@ -1719,7 +1720,7 @@
           <a:p>
             <a:fld id="{2566825D-2B69-4989-8861-A6901ABADB6C}" type="datetimeFigureOut">
               <a:rPr lang="ko-KR" altLang="en-US" smtClean="0"/>
-              <a:t>2020-07-12</a:t>
+              <a:t>2020-07-13</a:t>
             </a:fld>
             <a:endParaRPr lang="ko-KR" altLang="en-US"/>
           </a:p>
@@ -1814,7 +1815,7 @@
           <a:p>
             <a:fld id="{2566825D-2B69-4989-8861-A6901ABADB6C}" type="datetimeFigureOut">
               <a:rPr lang="ko-KR" altLang="en-US" smtClean="0"/>
-              <a:t>2020-07-12</a:t>
+              <a:t>2020-07-13</a:t>
             </a:fld>
             <a:endParaRPr lang="ko-KR" altLang="en-US"/>
           </a:p>
@@ -2089,7 +2090,7 @@
           <a:p>
             <a:fld id="{2566825D-2B69-4989-8861-A6901ABADB6C}" type="datetimeFigureOut">
               <a:rPr lang="ko-KR" altLang="en-US" smtClean="0"/>
-              <a:t>2020-07-12</a:t>
+              <a:t>2020-07-13</a:t>
             </a:fld>
             <a:endParaRPr lang="ko-KR" altLang="en-US"/>
           </a:p>
@@ -2341,7 +2342,7 @@
           <a:p>
             <a:fld id="{2566825D-2B69-4989-8861-A6901ABADB6C}" type="datetimeFigureOut">
               <a:rPr lang="ko-KR" altLang="en-US" smtClean="0"/>
-              <a:t>2020-07-12</a:t>
+              <a:t>2020-07-13</a:t>
             </a:fld>
             <a:endParaRPr lang="ko-KR" altLang="en-US"/>
           </a:p>
@@ -2552,7 +2553,7 @@
           <a:p>
             <a:fld id="{2566825D-2B69-4989-8861-A6901ABADB6C}" type="datetimeFigureOut">
               <a:rPr lang="ko-KR" altLang="en-US" smtClean="0"/>
-              <a:t>2020-07-12</a:t>
+              <a:t>2020-07-13</a:t>
             </a:fld>
             <a:endParaRPr lang="ko-KR" altLang="en-US"/>
           </a:p>
@@ -2972,7 +2973,7 @@
           <p:nvPr>
             <p:extLst>
               <p:ext uri="{D42A27DB-BD31-4B8C-83A1-F6EECF244321}">
-                <p14:modId xmlns:p14="http://schemas.microsoft.com/office/powerpoint/2010/main" val="1291222132"/>
+                <p14:modId xmlns:p14="http://schemas.microsoft.com/office/powerpoint/2010/main" val="3877135549"/>
               </p:ext>
             </p:extLst>
           </p:nvPr>
@@ -3030,7 +3031,7 @@
                     <a:bodyPr/>
                     <a:lstStyle/>
                     <a:p>
-                      <a:pPr algn="ctr" latinLnBrk="1"/>
+                      <a:pPr algn="l" latinLnBrk="1"/>
                       <a:endParaRPr lang="ko-KR" altLang="en-US" sz="2200" dirty="0"/>
                     </a:p>
                   </a:txBody>
@@ -3041,7 +3042,7 @@
                     <a:bodyPr/>
                     <a:lstStyle/>
                     <a:p>
-                      <a:pPr algn="ctr" latinLnBrk="1"/>
+                      <a:pPr algn="l" latinLnBrk="1"/>
                       <a:r>
                         <a:rPr lang="ko-KR" altLang="en-US" sz="2200" dirty="0"/>
                         <a:t>OSI </a:t>
@@ -3059,7 +3060,7 @@
                     <a:bodyPr/>
                     <a:lstStyle/>
                     <a:p>
-                      <a:pPr algn="ctr" latinLnBrk="1"/>
+                      <a:pPr algn="l" latinLnBrk="1"/>
                       <a:r>
                         <a:rPr lang="ko-KR" altLang="en-US" sz="2200" dirty="0" err="1"/>
                         <a:t>Layer</a:t>
@@ -3081,7 +3082,7 @@
                     <a:bodyPr/>
                     <a:lstStyle/>
                     <a:p>
-                      <a:pPr algn="ctr" latinLnBrk="1"/>
+                      <a:pPr algn="l" latinLnBrk="1"/>
                       <a:r>
                         <a:rPr lang="ko-KR" altLang="en-US" sz="2200" dirty="0"/>
                         <a:t>TCP/IP </a:t>
@@ -3099,7 +3100,7 @@
                     <a:bodyPr/>
                     <a:lstStyle/>
                     <a:p>
-                      <a:pPr algn="ctr" latinLnBrk="1"/>
+                      <a:pPr algn="l" latinLnBrk="1"/>
                       <a:r>
                         <a:rPr lang="ko-KR" altLang="en-US" sz="2200" dirty="0" err="1"/>
                         <a:t>Other</a:t>
@@ -3128,7 +3129,7 @@
                     <a:bodyPr/>
                     <a:lstStyle/>
                     <a:p>
-                      <a:pPr algn="ctr" latinLnBrk="1"/>
+                      <a:pPr algn="l" latinLnBrk="1"/>
                       <a:r>
                         <a:rPr lang="ko-KR" altLang="en-US" sz="2200" b="1" dirty="0" err="1"/>
                         <a:t>Alligator</a:t>
@@ -3142,24 +3143,10 @@
                     <a:bodyPr/>
                     <a:lstStyle/>
                     <a:p>
-                      <a:pPr algn="ctr" latinLnBrk="1"/>
+                      <a:pPr algn="l" latinLnBrk="1"/>
                       <a:r>
                         <a:rPr lang="ko-KR" altLang="en-US" sz="2200" dirty="0" err="1"/>
                         <a:t>Application</a:t>
-                      </a:r>
-                    </a:p>
-                  </a:txBody>
-                  <a:tcPr anchor="ctr"/>
-                </a:tc>
-                <a:tc>
-                  <a:txBody>
-                    <a:bodyPr/>
-                    <a:lstStyle/>
-                    <a:p>
-                      <a:pPr algn="ctr" latinLnBrk="1"/>
-                      <a:r>
-                        <a:rPr lang="ko-KR" altLang="en-US" sz="2200" dirty="0"/>
-                        <a:t>7</a:t>
                       </a:r>
                     </a:p>
                   </a:txBody>
@@ -3170,10 +3157,10 @@
                     <a:bodyPr/>
                     <a:lstStyle/>
                     <a:p>
-                      <a:pPr algn="ctr" latinLnBrk="1"/>
-                      <a:r>
-                        <a:rPr lang="ko-KR" altLang="en-US" sz="2200" dirty="0"/>
-                        <a:t>HTTP</a:t>
+                      <a:pPr algn="l" latinLnBrk="1"/>
+                      <a:r>
+                        <a:rPr lang="en-US" altLang="en-US" sz="2200" dirty="0"/>
+                        <a:t>L7(Firewall)</a:t>
                       </a:r>
                     </a:p>
                   </a:txBody>
@@ -3184,14 +3171,28 @@
                     <a:bodyPr/>
                     <a:lstStyle/>
                     <a:p>
-                      <a:pPr algn="ctr" latinLnBrk="1"/>
+                      <a:pPr algn="l" latinLnBrk="1"/>
+                      <a:r>
+                        <a:rPr lang="ko-KR" altLang="en-US" sz="2200" dirty="0"/>
+                        <a:t>HTTP</a:t>
+                      </a:r>
+                    </a:p>
+                  </a:txBody>
+                  <a:tcPr anchor="ctr"/>
+                </a:tc>
+                <a:tc rowSpan="3">
+                  <a:txBody>
+                    <a:bodyPr/>
+                    <a:lstStyle/>
+                    <a:p>
+                      <a:pPr algn="l" latinLnBrk="1"/>
                       <a:r>
                         <a:rPr lang="ko-KR" altLang="en-US" sz="2200" dirty="0"/>
                         <a:t>SSH,</a:t>
                       </a:r>
                     </a:p>
                     <a:p>
-                      <a:pPr lvl="0" algn="ctr">
+                      <a:pPr lvl="0" algn="l">
                         <a:buNone/>
                       </a:pPr>
                       <a:r>
@@ -3200,7 +3201,7 @@
                       </a:r>
                     </a:p>
                     <a:p>
-                      <a:pPr lvl="0" algn="ctr">
+                      <a:pPr lvl="0" algn="l">
                         <a:buNone/>
                       </a:pPr>
                       <a:r>
@@ -3214,7 +3215,7 @@
                       <a:endParaRPr lang="ko-KR" dirty="0"/>
                     </a:p>
                     <a:p>
-                      <a:pPr lvl="0" algn="ctr">
+                      <a:pPr lvl="0" algn="l">
                         <a:buNone/>
                       </a:pPr>
                       <a:r>
@@ -3224,7 +3225,7 @@
                       <a:endParaRPr lang="ko-KR" dirty="0"/>
                     </a:p>
                     <a:p>
-                      <a:pPr lvl="0" algn="ctr">
+                      <a:pPr lvl="0" algn="l">
                         <a:buNone/>
                       </a:pPr>
                       <a:r>
@@ -3248,7 +3249,7 @@
                     <a:bodyPr/>
                     <a:lstStyle/>
                     <a:p>
-                      <a:pPr algn="ctr" latinLnBrk="1"/>
+                      <a:pPr algn="l" latinLnBrk="1"/>
                       <a:r>
                         <a:rPr lang="ko-KR" altLang="en-US" sz="2200" b="1" dirty="0" err="1"/>
                         <a:t>Pet</a:t>
@@ -3262,25 +3263,22 @@
                     <a:bodyPr/>
                     <a:lstStyle/>
                     <a:p>
-                      <a:pPr algn="ctr" latinLnBrk="1"/>
+                      <a:pPr algn="l" latinLnBrk="1"/>
                       <a:r>
                         <a:rPr lang="ko-KR" altLang="en-US" sz="2200" err="1"/>
                         <a:t>Presentation</a:t>
                       </a:r>
+                      <a:endParaRPr lang="ko-KR" altLang="en-US" sz="2200" dirty="0" err="1"/>
                     </a:p>
                   </a:txBody>
                   <a:tcPr anchor="ctr"/>
                 </a:tc>
-                <a:tc>
+                <a:tc vMerge="1">
                   <a:txBody>
                     <a:bodyPr/>
                     <a:lstStyle/>
                     <a:p>
-                      <a:pPr algn="ctr" latinLnBrk="1"/>
-                      <a:r>
-                        <a:rPr lang="ko-KR" altLang="en-US" sz="2200" dirty="0"/>
-                        <a:t>6</a:t>
-                      </a:r>
+                      <a:endParaRPr lang="ko-KR" altLang="en-US" sz="2200" dirty="0"/>
                     </a:p>
                   </a:txBody>
                   <a:tcPr anchor="ctr"/>
@@ -3317,7 +3315,7 @@
                     <a:bodyPr/>
                     <a:lstStyle/>
                     <a:p>
-                      <a:pPr algn="ctr" latinLnBrk="1"/>
+                      <a:pPr algn="l" latinLnBrk="1"/>
                       <a:r>
                         <a:rPr lang="ko-KR" altLang="en-US" sz="2200" b="1" err="1"/>
                         <a:t>Steve's</a:t>
@@ -3331,25 +3329,22 @@
                     <a:bodyPr/>
                     <a:lstStyle/>
                     <a:p>
-                      <a:pPr algn="ctr" latinLnBrk="1"/>
+                      <a:pPr algn="l" latinLnBrk="1"/>
                       <a:r>
                         <a:rPr lang="ko-KR" altLang="en-US" sz="2200" err="1"/>
                         <a:t>Session</a:t>
                       </a:r>
+                      <a:endParaRPr lang="ko-KR" altLang="en-US" sz="2200" dirty="0" err="1"/>
                     </a:p>
                   </a:txBody>
                   <a:tcPr anchor="ctr"/>
                 </a:tc>
-                <a:tc>
+                <a:tc vMerge="1">
                   <a:txBody>
                     <a:bodyPr/>
                     <a:lstStyle/>
                     <a:p>
-                      <a:pPr algn="ctr" latinLnBrk="1"/>
-                      <a:r>
-                        <a:rPr lang="ko-KR" altLang="en-US" sz="2200" dirty="0"/>
-                        <a:t>5</a:t>
-                      </a:r>
+                      <a:endParaRPr lang="ko-KR" altLang="en-US" sz="2200" dirty="0"/>
                     </a:p>
                   </a:txBody>
                   <a:tcPr anchor="ctr"/>
@@ -3386,7 +3381,7 @@
                     <a:bodyPr/>
                     <a:lstStyle/>
                     <a:p>
-                      <a:pPr lvl="0" algn="ctr">
+                      <a:pPr lvl="0" algn="l">
                         <a:buNone/>
                       </a:pPr>
                       <a:r>
@@ -3403,11 +3398,12 @@
                     <a:bodyPr/>
                     <a:lstStyle/>
                     <a:p>
-                      <a:pPr algn="ctr" latinLnBrk="1"/>
+                      <a:pPr algn="l" latinLnBrk="1"/>
                       <a:r>
                         <a:rPr lang="ko-KR" altLang="en-US" sz="2200" err="1"/>
                         <a:t>Transport</a:t>
                       </a:r>
+                      <a:endParaRPr lang="ko-KR" altLang="en-US" sz="2200" dirty="0" err="1"/>
                     </a:p>
                   </a:txBody>
                   <a:tcPr anchor="ctr"/>
@@ -3417,10 +3413,10 @@
                     <a:bodyPr/>
                     <a:lstStyle/>
                     <a:p>
-                      <a:pPr algn="ctr" latinLnBrk="1"/>
+                      <a:pPr algn="l" latinLnBrk="1"/>
                       <a:r>
                         <a:rPr lang="ko-KR" altLang="en-US" sz="2200" dirty="0"/>
-                        <a:t>4</a:t>
+                        <a:t>L4(NAT)</a:t>
                       </a:r>
                     </a:p>
                   </a:txBody>
@@ -3431,7 +3427,7 @@
                     <a:bodyPr/>
                     <a:lstStyle/>
                     <a:p>
-                      <a:pPr algn="ctr" latinLnBrk="1"/>
+                      <a:pPr algn="l" latinLnBrk="1"/>
                       <a:r>
                         <a:rPr lang="ko-KR" altLang="en-US" sz="2200" dirty="0"/>
                         <a:t>TCP</a:t>
@@ -3445,7 +3441,7 @@
                     <a:bodyPr/>
                     <a:lstStyle/>
                     <a:p>
-                      <a:pPr algn="ctr" latinLnBrk="1"/>
+                      <a:pPr algn="l" latinLnBrk="1"/>
                       <a:r>
                         <a:rPr lang="ko-KR" altLang="en-US" sz="2200" dirty="0"/>
                         <a:t>UDP, SCTP</a:t>
@@ -3466,7 +3462,7 @@
                     <a:bodyPr/>
                     <a:lstStyle/>
                     <a:p>
-                      <a:pPr algn="ctr" latinLnBrk="1"/>
+                      <a:pPr algn="l" latinLnBrk="1"/>
                       <a:r>
                         <a:rPr lang="ko-KR" altLang="en-US" sz="2200" b="1" err="1"/>
                         <a:t>Not</a:t>
@@ -3480,7 +3476,7 @@
                     <a:bodyPr/>
                     <a:lstStyle/>
                     <a:p>
-                      <a:pPr algn="ctr" latinLnBrk="1"/>
+                      <a:pPr algn="l" latinLnBrk="1"/>
                       <a:r>
                         <a:rPr lang="ko-KR" altLang="en-US" sz="2200" dirty="0"/>
                         <a:t>Network</a:t>
@@ -3494,10 +3490,18 @@
                     <a:bodyPr/>
                     <a:lstStyle/>
                     <a:p>
-                      <a:pPr algn="ctr" latinLnBrk="1"/>
+                      <a:pPr algn="l" latinLnBrk="1"/>
                       <a:r>
                         <a:rPr lang="ko-KR" altLang="en-US" sz="2200" dirty="0"/>
-                        <a:t>3</a:t>
+                        <a:t>L3(</a:t>
+                      </a:r>
+                      <a:r>
+                        <a:rPr lang="ko-KR" altLang="en-US" sz="2200" dirty="0" err="1"/>
+                        <a:t>Router</a:t>
+                      </a:r>
+                      <a:r>
+                        <a:rPr lang="ko-KR" altLang="en-US" sz="2200" dirty="0"/>
+                        <a:t>)</a:t>
                       </a:r>
                     </a:p>
                   </a:txBody>
@@ -3508,7 +3512,7 @@
                     <a:bodyPr/>
                     <a:lstStyle/>
                     <a:p>
-                      <a:pPr algn="ctr" latinLnBrk="1"/>
+                      <a:pPr algn="l" latinLnBrk="1"/>
                       <a:r>
                         <a:rPr lang="ko-KR" altLang="en-US" sz="2200" dirty="0"/>
                         <a:t>IP</a:t>
@@ -3522,7 +3526,7 @@
                     <a:bodyPr/>
                     <a:lstStyle/>
                     <a:p>
-                      <a:pPr algn="ctr" latinLnBrk="1"/>
+                      <a:pPr algn="l" latinLnBrk="1"/>
                       <a:r>
                         <a:rPr lang="ko-KR" altLang="en-US" sz="2200" dirty="0"/>
                         <a:t>IPv6, ARP</a:t>
@@ -3543,7 +3547,7 @@
                     <a:bodyPr/>
                     <a:lstStyle/>
                     <a:p>
-                      <a:pPr algn="ctr" latinLnBrk="1"/>
+                      <a:pPr algn="l" latinLnBrk="1"/>
                       <a:r>
                         <a:rPr lang="ko-KR" altLang="en-US" sz="2200" b="1" dirty="0" err="1"/>
                         <a:t>Do</a:t>
@@ -3557,7 +3561,7 @@
                     <a:bodyPr/>
                     <a:lstStyle/>
                     <a:p>
-                      <a:pPr algn="ctr" latinLnBrk="1"/>
+                      <a:pPr algn="l" latinLnBrk="1"/>
                       <a:r>
                         <a:rPr lang="ko-KR" altLang="en-US" sz="2200" dirty="0"/>
                         <a:t>Data </a:t>
@@ -3575,10 +3579,18 @@
                     <a:bodyPr/>
                     <a:lstStyle/>
                     <a:p>
-                      <a:pPr algn="ctr" latinLnBrk="1"/>
+                      <a:pPr algn="l" latinLnBrk="1"/>
                       <a:r>
                         <a:rPr lang="ko-KR" altLang="en-US" sz="2200" dirty="0"/>
-                        <a:t>2</a:t>
+                        <a:t>L2(</a:t>
+                      </a:r>
+                      <a:r>
+                        <a:rPr lang="ko-KR" altLang="en-US" sz="2200" dirty="0" err="1"/>
+                        <a:t>Switch</a:t>
+                      </a:r>
+                      <a:r>
+                        <a:rPr lang="ko-KR" altLang="en-US" sz="2200" dirty="0"/>
+                        <a:t>)</a:t>
                       </a:r>
                     </a:p>
                   </a:txBody>
@@ -3589,7 +3601,7 @@
                     <a:bodyPr/>
                     <a:lstStyle/>
                     <a:p>
-                      <a:pPr algn="ctr" latinLnBrk="1"/>
+                      <a:pPr algn="l" latinLnBrk="1"/>
                       <a:r>
                         <a:rPr lang="ko-KR" altLang="en-US" sz="2200" dirty="0" err="1"/>
                         <a:t>Ethernet</a:t>
@@ -3603,14 +3615,14 @@
                     <a:bodyPr/>
                     <a:lstStyle/>
                     <a:p>
-                      <a:pPr algn="ctr" latinLnBrk="1"/>
+                      <a:pPr algn="l" latinLnBrk="1"/>
                       <a:r>
                         <a:rPr lang="ko-KR" altLang="en-US" sz="2200" dirty="0"/>
                         <a:t>HDLC, </a:t>
                       </a:r>
                     </a:p>
                     <a:p>
-                      <a:pPr lvl="0" algn="ctr">
+                      <a:pPr lvl="0" algn="l">
                         <a:buNone/>
                       </a:pPr>
                       <a:r>
@@ -3642,7 +3654,7 @@
                     <a:bodyPr/>
                     <a:lstStyle/>
                     <a:p>
-                      <a:pPr algn="ctr" latinLnBrk="1"/>
+                      <a:pPr algn="l" latinLnBrk="1"/>
                       <a:r>
                         <a:rPr lang="ko-KR" altLang="en-US" sz="2200" b="1" dirty="0" err="1"/>
                         <a:t>Please</a:t>
@@ -3656,7 +3668,7 @@
                     <a:bodyPr/>
                     <a:lstStyle/>
                     <a:p>
-                      <a:pPr algn="ctr" latinLnBrk="1"/>
+                      <a:pPr algn="l" latinLnBrk="1"/>
                       <a:r>
                         <a:rPr lang="ko-KR" altLang="en-US" sz="2200" dirty="0" err="1"/>
                         <a:t>Physical</a:t>
@@ -3670,11 +3682,8 @@
                     <a:bodyPr/>
                     <a:lstStyle/>
                     <a:p>
-                      <a:pPr algn="ctr" latinLnBrk="1"/>
-                      <a:r>
-                        <a:rPr lang="ko-KR" altLang="en-US" sz="2200" dirty="0"/>
-                        <a:t>1</a:t>
-                      </a:r>
+                      <a:pPr algn="l" latinLnBrk="1"/>
+                      <a:endParaRPr lang="ko-KR" altLang="en-US" sz="2200" dirty="0"/>
                     </a:p>
                   </a:txBody>
                   <a:tcPr anchor="ctr"/>
@@ -3684,7 +3693,7 @@
                     <a:bodyPr/>
                     <a:lstStyle/>
                     <a:p>
-                      <a:pPr lvl="0" algn="ctr">
+                      <a:pPr lvl="0" algn="l">
                         <a:buNone/>
                       </a:pPr>
                       <a:endParaRPr lang="ko-KR" altLang="en-US" sz="2200" dirty="0"/>
@@ -3697,7 +3706,7 @@
                     <a:bodyPr/>
                     <a:lstStyle/>
                     <a:p>
-                      <a:pPr algn="ctr" latinLnBrk="1"/>
+                      <a:pPr algn="l" latinLnBrk="1"/>
                       <a:endParaRPr lang="ko-KR" altLang="en-US" sz="2200" dirty="0"/>
                     </a:p>
                   </a:txBody>
